--- a/JavaScriptInterpretersCompilers/images/Images.pptx
+++ b/JavaScriptInterpretersCompilers/images/Images.pptx
@@ -6,6 +6,7 @@
   </p:sldMasterIdLst>
   <p:sldIdLst>
     <p:sldId id="256" r:id="rId2"/>
+    <p:sldId id="257" r:id="rId3"/>
   </p:sldIdLst>
   <p:sldSz cx="12192000" cy="6858000"/>
   <p:notesSz cx="6858000" cy="9144000"/>
@@ -3947,6 +3948,558 @@
 </p:sld>
 </file>
 
+<file path=ppt/slides/slide2.xml><?xml version="1.0" encoding="utf-8"?>
+<p:sld xmlns:a="http://schemas.openxmlformats.org/drawingml/2006/main" xmlns:r="http://schemas.openxmlformats.org/officeDocument/2006/relationships" xmlns:p="http://schemas.openxmlformats.org/presentationml/2006/main">
+  <p:cSld>
+    <p:spTree>
+      <p:nvGrpSpPr>
+        <p:cNvPr id="1" name=""/>
+        <p:cNvGrpSpPr/>
+        <p:nvPr/>
+      </p:nvGrpSpPr>
+      <p:grpSpPr>
+        <a:xfrm>
+          <a:off x="0" y="0"/>
+          <a:ext cx="0" cy="0"/>
+          <a:chOff x="0" y="0"/>
+          <a:chExt cx="0" cy="0"/>
+        </a:xfrm>
+      </p:grpSpPr>
+      <p:sp>
+        <p:nvSpPr>
+          <p:cNvPr id="2" name="Rectangle 1"/>
+          <p:cNvSpPr/>
+          <p:nvPr/>
+        </p:nvSpPr>
+        <p:spPr>
+          <a:xfrm>
+            <a:off x="4623515" y="656824"/>
+            <a:ext cx="1622739" cy="721217"/>
+          </a:xfrm>
+          <a:prstGeom prst="rect">
+            <a:avLst/>
+          </a:prstGeom>
+        </p:spPr>
+        <p:style>
+          <a:lnRef idx="2">
+            <a:schemeClr val="accent4">
+              <a:shade val="50000"/>
+            </a:schemeClr>
+          </a:lnRef>
+          <a:fillRef idx="1">
+            <a:schemeClr val="accent4"/>
+          </a:fillRef>
+          <a:effectRef idx="0">
+            <a:schemeClr val="accent4"/>
+          </a:effectRef>
+          <a:fontRef idx="minor">
+            <a:schemeClr val="lt1"/>
+          </a:fontRef>
+        </p:style>
+        <p:txBody>
+          <a:bodyPr rtlCol="0" anchor="ctr"/>
+          <a:lstStyle/>
+          <a:p>
+            <a:pPr algn="ctr"/>
+            <a:r>
+              <a:rPr lang="en-US" sz="2800" dirty="0" smtClean="0">
+                <a:solidFill>
+                  <a:schemeClr val="tx1"/>
+                </a:solidFill>
+              </a:rPr>
+              <a:t>Push</a:t>
+            </a:r>
+            <a:endParaRPr lang="en-US" sz="2800" dirty="0">
+              <a:solidFill>
+                <a:schemeClr val="tx1"/>
+              </a:solidFill>
+            </a:endParaRPr>
+          </a:p>
+        </p:txBody>
+      </p:sp>
+      <p:sp>
+        <p:nvSpPr>
+          <p:cNvPr id="3" name="Rectangle 2"/>
+          <p:cNvSpPr/>
+          <p:nvPr/>
+        </p:nvSpPr>
+        <p:spPr>
+          <a:xfrm>
+            <a:off x="6246254" y="656824"/>
+            <a:ext cx="708338" cy="727656"/>
+          </a:xfrm>
+          <a:prstGeom prst="rect">
+            <a:avLst/>
+          </a:prstGeom>
+        </p:spPr>
+        <p:style>
+          <a:lnRef idx="1">
+            <a:schemeClr val="accent6"/>
+          </a:lnRef>
+          <a:fillRef idx="2">
+            <a:schemeClr val="accent6"/>
+          </a:fillRef>
+          <a:effectRef idx="1">
+            <a:schemeClr val="accent6"/>
+          </a:effectRef>
+          <a:fontRef idx="minor">
+            <a:schemeClr val="dk1"/>
+          </a:fontRef>
+        </p:style>
+        <p:txBody>
+          <a:bodyPr rtlCol="0" anchor="ctr"/>
+          <a:lstStyle/>
+          <a:p>
+            <a:pPr algn="ctr"/>
+            <a:r>
+              <a:rPr lang="en-US" sz="2400" dirty="0" smtClean="0"/>
+              <a:t>2</a:t>
+            </a:r>
+            <a:endParaRPr lang="en-US" sz="2400" dirty="0"/>
+          </a:p>
+        </p:txBody>
+      </p:sp>
+      <p:sp>
+        <p:nvSpPr>
+          <p:cNvPr id="4" name="Rectangle 3"/>
+          <p:cNvSpPr/>
+          <p:nvPr/>
+        </p:nvSpPr>
+        <p:spPr>
+          <a:xfrm>
+            <a:off x="4623515" y="1378041"/>
+            <a:ext cx="1622739" cy="721217"/>
+          </a:xfrm>
+          <a:prstGeom prst="rect">
+            <a:avLst/>
+          </a:prstGeom>
+        </p:spPr>
+        <p:style>
+          <a:lnRef idx="2">
+            <a:schemeClr val="accent4">
+              <a:shade val="50000"/>
+            </a:schemeClr>
+          </a:lnRef>
+          <a:fillRef idx="1">
+            <a:schemeClr val="accent4"/>
+          </a:fillRef>
+          <a:effectRef idx="0">
+            <a:schemeClr val="accent4"/>
+          </a:effectRef>
+          <a:fontRef idx="minor">
+            <a:schemeClr val="lt1"/>
+          </a:fontRef>
+        </p:style>
+        <p:txBody>
+          <a:bodyPr rtlCol="0" anchor="ctr"/>
+          <a:lstStyle/>
+          <a:p>
+            <a:pPr algn="ctr"/>
+            <a:r>
+              <a:rPr lang="en-US" sz="2800" dirty="0" smtClean="0">
+                <a:solidFill>
+                  <a:schemeClr val="tx1"/>
+                </a:solidFill>
+              </a:rPr>
+              <a:t>Assign</a:t>
+            </a:r>
+            <a:endParaRPr lang="en-US" sz="2800" dirty="0">
+              <a:solidFill>
+                <a:schemeClr val="tx1"/>
+              </a:solidFill>
+            </a:endParaRPr>
+          </a:p>
+        </p:txBody>
+      </p:sp>
+      <p:sp>
+        <p:nvSpPr>
+          <p:cNvPr id="5" name="Rectangle 4"/>
+          <p:cNvSpPr/>
+          <p:nvPr/>
+        </p:nvSpPr>
+        <p:spPr>
+          <a:xfrm>
+            <a:off x="6246254" y="1384480"/>
+            <a:ext cx="708338" cy="714777"/>
+          </a:xfrm>
+          <a:prstGeom prst="rect">
+            <a:avLst/>
+          </a:prstGeom>
+        </p:spPr>
+        <p:style>
+          <a:lnRef idx="1">
+            <a:schemeClr val="accent6"/>
+          </a:lnRef>
+          <a:fillRef idx="2">
+            <a:schemeClr val="accent6"/>
+          </a:fillRef>
+          <a:effectRef idx="1">
+            <a:schemeClr val="accent6"/>
+          </a:effectRef>
+          <a:fontRef idx="minor">
+            <a:schemeClr val="dk1"/>
+          </a:fontRef>
+        </p:style>
+        <p:txBody>
+          <a:bodyPr rtlCol="0" anchor="ctr"/>
+          <a:lstStyle/>
+          <a:p>
+            <a:pPr algn="ctr"/>
+            <a:r>
+              <a:rPr lang="en-US" sz="2400" dirty="0" smtClean="0"/>
+              <a:t>:x</a:t>
+            </a:r>
+            <a:endParaRPr lang="en-US" sz="2400" dirty="0"/>
+          </a:p>
+        </p:txBody>
+      </p:sp>
+      <p:sp>
+        <p:nvSpPr>
+          <p:cNvPr id="7" name="Rectangle 6"/>
+          <p:cNvSpPr/>
+          <p:nvPr/>
+        </p:nvSpPr>
+        <p:spPr>
+          <a:xfrm>
+            <a:off x="4623515" y="2092818"/>
+            <a:ext cx="1622739" cy="721217"/>
+          </a:xfrm>
+          <a:prstGeom prst="rect">
+            <a:avLst/>
+          </a:prstGeom>
+        </p:spPr>
+        <p:style>
+          <a:lnRef idx="2">
+            <a:schemeClr val="accent4">
+              <a:shade val="50000"/>
+            </a:schemeClr>
+          </a:lnRef>
+          <a:fillRef idx="1">
+            <a:schemeClr val="accent4"/>
+          </a:fillRef>
+          <a:effectRef idx="0">
+            <a:schemeClr val="accent4"/>
+          </a:effectRef>
+          <a:fontRef idx="minor">
+            <a:schemeClr val="lt1"/>
+          </a:fontRef>
+        </p:style>
+        <p:txBody>
+          <a:bodyPr rtlCol="0" anchor="ctr"/>
+          <a:lstStyle/>
+          <a:p>
+            <a:pPr algn="ctr"/>
+            <a:r>
+              <a:rPr lang="en-US" sz="2800" dirty="0" smtClean="0">
+                <a:solidFill>
+                  <a:schemeClr val="tx1"/>
+                </a:solidFill>
+              </a:rPr>
+              <a:t>Push</a:t>
+            </a:r>
+            <a:endParaRPr lang="en-US" sz="2800" dirty="0">
+              <a:solidFill>
+                <a:schemeClr val="tx1"/>
+              </a:solidFill>
+            </a:endParaRPr>
+          </a:p>
+        </p:txBody>
+      </p:sp>
+      <p:sp>
+        <p:nvSpPr>
+          <p:cNvPr id="8" name="Rectangle 7"/>
+          <p:cNvSpPr/>
+          <p:nvPr/>
+        </p:nvSpPr>
+        <p:spPr>
+          <a:xfrm>
+            <a:off x="6246254" y="2099258"/>
+            <a:ext cx="708338" cy="721216"/>
+          </a:xfrm>
+          <a:prstGeom prst="rect">
+            <a:avLst/>
+          </a:prstGeom>
+        </p:spPr>
+        <p:style>
+          <a:lnRef idx="1">
+            <a:schemeClr val="accent6"/>
+          </a:lnRef>
+          <a:fillRef idx="2">
+            <a:schemeClr val="accent6"/>
+          </a:fillRef>
+          <a:effectRef idx="1">
+            <a:schemeClr val="accent6"/>
+          </a:effectRef>
+          <a:fontRef idx="minor">
+            <a:schemeClr val="dk1"/>
+          </a:fontRef>
+        </p:style>
+        <p:txBody>
+          <a:bodyPr rtlCol="0" anchor="ctr"/>
+          <a:lstStyle/>
+          <a:p>
+            <a:pPr algn="ctr"/>
+            <a:r>
+              <a:rPr lang="en-US" sz="2400" dirty="0" smtClean="0"/>
+              <a:t>:x</a:t>
+            </a:r>
+            <a:endParaRPr lang="en-US" sz="2400" dirty="0"/>
+          </a:p>
+        </p:txBody>
+      </p:sp>
+      <p:sp>
+        <p:nvSpPr>
+          <p:cNvPr id="9" name="Rectangle 8"/>
+          <p:cNvSpPr/>
+          <p:nvPr/>
+        </p:nvSpPr>
+        <p:spPr>
+          <a:xfrm>
+            <a:off x="4623514" y="2820475"/>
+            <a:ext cx="1622739" cy="721217"/>
+          </a:xfrm>
+          <a:prstGeom prst="rect">
+            <a:avLst/>
+          </a:prstGeom>
+        </p:spPr>
+        <p:style>
+          <a:lnRef idx="2">
+            <a:schemeClr val="accent4">
+              <a:shade val="50000"/>
+            </a:schemeClr>
+          </a:lnRef>
+          <a:fillRef idx="1">
+            <a:schemeClr val="accent4"/>
+          </a:fillRef>
+          <a:effectRef idx="0">
+            <a:schemeClr val="accent4"/>
+          </a:effectRef>
+          <a:fontRef idx="minor">
+            <a:schemeClr val="lt1"/>
+          </a:fontRef>
+        </p:style>
+        <p:txBody>
+          <a:bodyPr rtlCol="0" anchor="ctr"/>
+          <a:lstStyle/>
+          <a:p>
+            <a:pPr algn="ctr"/>
+            <a:r>
+              <a:rPr lang="en-US" sz="2800" dirty="0" smtClean="0">
+                <a:solidFill>
+                  <a:schemeClr val="tx1"/>
+                </a:solidFill>
+              </a:rPr>
+              <a:t>Push</a:t>
+            </a:r>
+            <a:endParaRPr lang="en-US" sz="2800" dirty="0">
+              <a:solidFill>
+                <a:schemeClr val="tx1"/>
+              </a:solidFill>
+            </a:endParaRPr>
+          </a:p>
+        </p:txBody>
+      </p:sp>
+      <p:sp>
+        <p:nvSpPr>
+          <p:cNvPr id="10" name="Rectangle 9"/>
+          <p:cNvSpPr/>
+          <p:nvPr/>
+        </p:nvSpPr>
+        <p:spPr>
+          <a:xfrm>
+            <a:off x="6246254" y="2820475"/>
+            <a:ext cx="708338" cy="727656"/>
+          </a:xfrm>
+          <a:prstGeom prst="rect">
+            <a:avLst/>
+          </a:prstGeom>
+        </p:spPr>
+        <p:style>
+          <a:lnRef idx="1">
+            <a:schemeClr val="accent6"/>
+          </a:lnRef>
+          <a:fillRef idx="2">
+            <a:schemeClr val="accent6"/>
+          </a:fillRef>
+          <a:effectRef idx="1">
+            <a:schemeClr val="accent6"/>
+          </a:effectRef>
+          <a:fontRef idx="minor">
+            <a:schemeClr val="dk1"/>
+          </a:fontRef>
+        </p:style>
+        <p:txBody>
+          <a:bodyPr rtlCol="0" anchor="ctr"/>
+          <a:lstStyle/>
+          <a:p>
+            <a:pPr algn="ctr"/>
+            <a:r>
+              <a:rPr lang="en-US" sz="2400" dirty="0" smtClean="0"/>
+              <a:t>3</a:t>
+            </a:r>
+            <a:endParaRPr lang="en-US" sz="2400" dirty="0"/>
+          </a:p>
+        </p:txBody>
+      </p:sp>
+      <p:sp>
+        <p:nvSpPr>
+          <p:cNvPr id="11" name="Rectangle 10"/>
+          <p:cNvSpPr/>
+          <p:nvPr/>
+        </p:nvSpPr>
+        <p:spPr>
+          <a:xfrm>
+            <a:off x="4623514" y="3535252"/>
+            <a:ext cx="1622739" cy="721217"/>
+          </a:xfrm>
+          <a:prstGeom prst="rect">
+            <a:avLst/>
+          </a:prstGeom>
+        </p:spPr>
+        <p:style>
+          <a:lnRef idx="2">
+            <a:schemeClr val="accent4">
+              <a:shade val="50000"/>
+            </a:schemeClr>
+          </a:lnRef>
+          <a:fillRef idx="1">
+            <a:schemeClr val="accent4"/>
+          </a:fillRef>
+          <a:effectRef idx="0">
+            <a:schemeClr val="accent4"/>
+          </a:effectRef>
+          <a:fontRef idx="minor">
+            <a:schemeClr val="lt1"/>
+          </a:fontRef>
+        </p:style>
+        <p:txBody>
+          <a:bodyPr rtlCol="0" anchor="ctr"/>
+          <a:lstStyle/>
+          <a:p>
+            <a:pPr algn="ctr"/>
+            <a:r>
+              <a:rPr lang="en-US" sz="2800" dirty="0" smtClean="0">
+                <a:solidFill>
+                  <a:schemeClr val="tx1"/>
+                </a:solidFill>
+              </a:rPr>
+              <a:t>Multiply</a:t>
+            </a:r>
+            <a:endParaRPr lang="en-US" sz="2800" dirty="0">
+              <a:solidFill>
+                <a:schemeClr val="tx1"/>
+              </a:solidFill>
+            </a:endParaRPr>
+          </a:p>
+        </p:txBody>
+      </p:sp>
+      <p:sp>
+        <p:nvSpPr>
+          <p:cNvPr id="12" name="Rectangle 11"/>
+          <p:cNvSpPr/>
+          <p:nvPr/>
+        </p:nvSpPr>
+        <p:spPr>
+          <a:xfrm>
+            <a:off x="4623514" y="4256469"/>
+            <a:ext cx="1622739" cy="721217"/>
+          </a:xfrm>
+          <a:prstGeom prst="rect">
+            <a:avLst/>
+          </a:prstGeom>
+        </p:spPr>
+        <p:style>
+          <a:lnRef idx="2">
+            <a:schemeClr val="accent4">
+              <a:shade val="50000"/>
+            </a:schemeClr>
+          </a:lnRef>
+          <a:fillRef idx="1">
+            <a:schemeClr val="accent4"/>
+          </a:fillRef>
+          <a:effectRef idx="0">
+            <a:schemeClr val="accent4"/>
+          </a:effectRef>
+          <a:fontRef idx="minor">
+            <a:schemeClr val="lt1"/>
+          </a:fontRef>
+        </p:style>
+        <p:txBody>
+          <a:bodyPr rtlCol="0" anchor="ctr"/>
+          <a:lstStyle/>
+          <a:p>
+            <a:pPr algn="ctr"/>
+            <a:r>
+              <a:rPr lang="en-US" sz="2800" dirty="0" smtClean="0">
+                <a:solidFill>
+                  <a:schemeClr val="tx1"/>
+                </a:solidFill>
+              </a:rPr>
+              <a:t>Assign</a:t>
+            </a:r>
+            <a:endParaRPr lang="en-US" sz="2800" dirty="0">
+              <a:solidFill>
+                <a:schemeClr val="tx1"/>
+              </a:solidFill>
+            </a:endParaRPr>
+          </a:p>
+        </p:txBody>
+      </p:sp>
+      <p:sp>
+        <p:nvSpPr>
+          <p:cNvPr id="13" name="Rectangle 12"/>
+          <p:cNvSpPr/>
+          <p:nvPr/>
+        </p:nvSpPr>
+        <p:spPr>
+          <a:xfrm>
+            <a:off x="6246253" y="4262908"/>
+            <a:ext cx="708338" cy="721218"/>
+          </a:xfrm>
+          <a:prstGeom prst="rect">
+            <a:avLst/>
+          </a:prstGeom>
+        </p:spPr>
+        <p:style>
+          <a:lnRef idx="1">
+            <a:schemeClr val="accent6"/>
+          </a:lnRef>
+          <a:fillRef idx="2">
+            <a:schemeClr val="accent6"/>
+          </a:fillRef>
+          <a:effectRef idx="1">
+            <a:schemeClr val="accent6"/>
+          </a:effectRef>
+          <a:fontRef idx="minor">
+            <a:schemeClr val="dk1"/>
+          </a:fontRef>
+        </p:style>
+        <p:txBody>
+          <a:bodyPr rtlCol="0" anchor="ctr"/>
+          <a:lstStyle/>
+          <a:p>
+            <a:pPr algn="ctr"/>
+            <a:r>
+              <a:rPr lang="en-US" sz="2400" dirty="0" smtClean="0"/>
+              <a:t>:y</a:t>
+            </a:r>
+            <a:endParaRPr lang="en-US" sz="2400" dirty="0"/>
+          </a:p>
+        </p:txBody>
+      </p:sp>
+    </p:spTree>
+    <p:extLst>
+      <p:ext uri="{BB962C8B-B14F-4D97-AF65-F5344CB8AC3E}">
+        <p14:creationId xmlns:p14="http://schemas.microsoft.com/office/powerpoint/2010/main" val="3424845893"/>
+      </p:ext>
+    </p:extLst>
+  </p:cSld>
+  <p:clrMapOvr>
+    <a:masterClrMapping/>
+  </p:clrMapOvr>
+</p:sld>
+</file>
+
 <file path=ppt/theme/theme1.xml><?xml version="1.0" encoding="utf-8"?>
 <a:theme xmlns:a="http://schemas.openxmlformats.org/drawingml/2006/main" name="Office Theme">
   <a:themeElements>
